--- a/20250803_IDR_eva.pptx
+++ b/20250803_IDR_eva.pptx
@@ -7354,7 +7354,7 @@
         <p:spPr>
           <a:xfrm>
             <a:off x="585647" y="974846"/>
-            <a:ext cx="10767371" cy="1200329"/>
+            <a:ext cx="9010352" cy="1477328"/>
           </a:xfrm>
           <a:prstGeom prst="rect">
             <a:avLst/>
@@ -7384,7 +7384,17 @@
           <a:p>
             <a:r>
               <a:rPr lang="en-US"/>
-              <a:t>However, the pipeline seems to be very tedious, and some tech details are not entirely clear from the paper.</a:t>
+              <a:t>However, the pipeline seems to be very tedious. </a:t>
+            </a:r>
+          </a:p>
+          <a:p>
+            <a:r>
+              <a:rPr lang="en-US"/>
+              <a:t>P</a:t>
+            </a:r>
+            <a:r>
+              <a:rPr lang="en-US" altLang="zh-CN"/>
+              <a:t>ersonally I am not very clear what is the essential steps, and if there is any redundancy.</a:t>
             </a:r>
             <a:endParaRPr lang="en-GB"/>
           </a:p>

--- a/20250803_IDR_eva.pptx
+++ b/20250803_IDR_eva.pptx
@@ -6464,8 +6464,8 @@
         </p:nvSpPr>
         <p:spPr>
           <a:xfrm>
-            <a:off x="5036348" y="4796852"/>
-            <a:ext cx="7180171" cy="1200329"/>
+            <a:off x="4719626" y="4947323"/>
+            <a:ext cx="7291740" cy="1477328"/>
           </a:xfrm>
           <a:prstGeom prst="rect">
             <a:avLst/>
@@ -6480,7 +6480,138 @@
           <a:p>
             <a:r>
               <a:rPr lang="en-GB"/>
-              <a:t>For each dipeptide, collect 10AA binding pocket,</a:t>
+              <a:t>For each dipeptide, </a:t>
+            </a:r>
+            <a:r>
+              <a:rPr lang="en-GB">
+                <a:solidFill>
+                  <a:srgbClr val="FF0000"/>
+                </a:solidFill>
+              </a:rPr>
+              <a:t>collect 10AA binding pocket (if</a:t>
+            </a:r>
+            <a:r>
+              <a:rPr lang="zh-CN" altLang="en-US">
+                <a:solidFill>
+                  <a:srgbClr val="FF0000"/>
+                </a:solidFill>
+              </a:rPr>
+              <a:t> </a:t>
+            </a:r>
+            <a:r>
+              <a:rPr lang="en-GB" altLang="zh-CN">
+                <a:solidFill>
+                  <a:srgbClr val="FF0000"/>
+                </a:solidFill>
+              </a:rPr>
+              <a:t>we</a:t>
+            </a:r>
+            <a:r>
+              <a:rPr lang="zh-CN" altLang="en-US">
+                <a:solidFill>
+                  <a:srgbClr val="FF0000"/>
+                </a:solidFill>
+              </a:rPr>
+              <a:t> </a:t>
+            </a:r>
+            <a:r>
+              <a:rPr lang="en-GB" altLang="zh-CN">
+                <a:solidFill>
+                  <a:srgbClr val="FF0000"/>
+                </a:solidFill>
+              </a:rPr>
+              <a:t>want</a:t>
+            </a:r>
+            <a:r>
+              <a:rPr lang="zh-CN" altLang="en-US">
+                <a:solidFill>
+                  <a:srgbClr val="FF0000"/>
+                </a:solidFill>
+              </a:rPr>
+              <a:t> </a:t>
+            </a:r>
+            <a:r>
+              <a:rPr lang="en-GB" altLang="zh-CN">
+                <a:solidFill>
+                  <a:srgbClr val="FF0000"/>
+                </a:solidFill>
+              </a:rPr>
+              <a:t>to</a:t>
+            </a:r>
+            <a:r>
+              <a:rPr lang="zh-CN" altLang="en-US">
+                <a:solidFill>
+                  <a:srgbClr val="FF0000"/>
+                </a:solidFill>
+              </a:rPr>
+              <a:t> </a:t>
+            </a:r>
+            <a:r>
+              <a:rPr lang="en-GB" altLang="zh-CN">
+                <a:solidFill>
+                  <a:srgbClr val="FF0000"/>
+                </a:solidFill>
+              </a:rPr>
+              <a:t>replicate,</a:t>
+            </a:r>
+            <a:r>
+              <a:rPr lang="zh-CN" altLang="en-US">
+                <a:solidFill>
+                  <a:srgbClr val="FF0000"/>
+                </a:solidFill>
+              </a:rPr>
+              <a:t> </a:t>
+            </a:r>
+            <a:endParaRPr lang="en-GB" altLang="zh-CN">
+              <a:solidFill>
+                <a:srgbClr val="FF0000"/>
+              </a:solidFill>
+            </a:endParaRPr>
+          </a:p>
+          <a:p>
+            <a:r>
+              <a:rPr lang="en-GB" altLang="zh-CN">
+                <a:solidFill>
+                  <a:srgbClr val="FF0000"/>
+                </a:solidFill>
+              </a:rPr>
+              <a:t>maybe just need to start from here? For</a:t>
+            </a:r>
+            <a:r>
+              <a:rPr lang="zh-CN" altLang="en-US">
+                <a:solidFill>
+                  <a:srgbClr val="FF0000"/>
+                </a:solidFill>
+              </a:rPr>
+              <a:t> </a:t>
+            </a:r>
+            <a:r>
+              <a:rPr lang="en-GB" altLang="zh-CN">
+                <a:solidFill>
+                  <a:srgbClr val="FF0000"/>
+                </a:solidFill>
+              </a:rPr>
+              <a:t>higher</a:t>
+            </a:r>
+            <a:r>
+              <a:rPr lang="zh-CN" altLang="en-US">
+                <a:solidFill>
+                  <a:srgbClr val="FF0000"/>
+                </a:solidFill>
+              </a:rPr>
+              <a:t> </a:t>
+            </a:r>
+            <a:r>
+              <a:rPr lang="en-GB" altLang="zh-CN">
+                <a:solidFill>
+                  <a:srgbClr val="FF0000"/>
+                </a:solidFill>
+              </a:rPr>
+              <a:t>flexibility)</a:t>
+            </a:r>
+            <a:r>
+              <a:rPr lang="en-GB"/>
+              <a:t>,</a:t>
             </a:r>
           </a:p>
           <a:p>
@@ -6617,8 +6748,8 @@
         </p:nvSpPr>
         <p:spPr>
           <a:xfrm>
-            <a:off x="417159" y="4766684"/>
-            <a:ext cx="6963766" cy="1754326"/>
+            <a:off x="278263" y="4266332"/>
+            <a:ext cx="6963766" cy="2308324"/>
           </a:xfrm>
           <a:prstGeom prst="rect">
             <a:avLst/>
@@ -6630,6 +6761,104 @@
             <a:spAutoFit/>
           </a:bodyPr>
           <a:lstStyle/>
+          <a:p>
+            <a:r>
+              <a:rPr lang="en-GB">
+                <a:solidFill>
+                  <a:srgbClr val="FF0000"/>
+                </a:solidFill>
+              </a:rPr>
+              <a:t>if</a:t>
+            </a:r>
+            <a:r>
+              <a:rPr lang="zh-CN" altLang="en-US">
+                <a:solidFill>
+                  <a:srgbClr val="FF0000"/>
+                </a:solidFill>
+              </a:rPr>
+              <a:t> </a:t>
+            </a:r>
+            <a:r>
+              <a:rPr lang="en-GB" altLang="zh-CN">
+                <a:solidFill>
+                  <a:srgbClr val="FF0000"/>
+                </a:solidFill>
+              </a:rPr>
+              <a:t>we</a:t>
+            </a:r>
+            <a:r>
+              <a:rPr lang="zh-CN" altLang="en-US">
+                <a:solidFill>
+                  <a:srgbClr val="FF0000"/>
+                </a:solidFill>
+              </a:rPr>
+              <a:t> </a:t>
+            </a:r>
+            <a:r>
+              <a:rPr lang="en-GB" altLang="zh-CN">
+                <a:solidFill>
+                  <a:srgbClr val="FF0000"/>
+                </a:solidFill>
+              </a:rPr>
+              <a:t>want</a:t>
+            </a:r>
+            <a:r>
+              <a:rPr lang="zh-CN" altLang="en-US">
+                <a:solidFill>
+                  <a:srgbClr val="FF0000"/>
+                </a:solidFill>
+              </a:rPr>
+              <a:t> </a:t>
+            </a:r>
+            <a:r>
+              <a:rPr lang="en-GB" altLang="zh-CN">
+                <a:solidFill>
+                  <a:srgbClr val="FF0000"/>
+                </a:solidFill>
+              </a:rPr>
+              <a:t>to</a:t>
+            </a:r>
+            <a:r>
+              <a:rPr lang="zh-CN" altLang="en-US">
+                <a:solidFill>
+                  <a:srgbClr val="FF0000"/>
+                </a:solidFill>
+              </a:rPr>
+              <a:t> </a:t>
+            </a:r>
+            <a:r>
+              <a:rPr lang="en-GB" altLang="zh-CN">
+                <a:solidFill>
+                  <a:srgbClr val="FF0000"/>
+                </a:solidFill>
+              </a:rPr>
+              <a:t>replicate,</a:t>
+            </a:r>
+            <a:r>
+              <a:rPr lang="zh-CN" altLang="en-US">
+                <a:solidFill>
+                  <a:srgbClr val="FF0000"/>
+                </a:solidFill>
+              </a:rPr>
+              <a:t> </a:t>
+            </a:r>
+            <a:endParaRPr lang="en-GB" altLang="zh-CN">
+              <a:solidFill>
+                <a:srgbClr val="FF0000"/>
+              </a:solidFill>
+            </a:endParaRPr>
+          </a:p>
+          <a:p>
+            <a:r>
+              <a:rPr lang="en-GB" altLang="zh-CN">
+                <a:solidFill>
+                  <a:srgbClr val="FF0000"/>
+                </a:solidFill>
+              </a:rPr>
+              <a:t>maybe just need to start from here?</a:t>
+            </a:r>
+            <a:endParaRPr lang="en-GB"/>
+          </a:p>
           <a:p>
             <a:r>
               <a:rPr lang="en-GB"/>
